--- a/documents/0-best-practices.pptx
+++ b/documents/0-best-practices.pptx
@@ -2720,8 +2720,8 @@
         </p:nvSpPr>
         <p:spPr>
           <a:xfrm>
-            <a:off x="863600" y="914400"/>
-            <a:ext cx="11938000" cy="6435095"/>
+            <a:off x="482600" y="914400"/>
+            <a:ext cx="12141200" cy="6065763"/>
           </a:xfrm>
           <a:prstGeom prst="rect">
             <a:avLst/>
@@ -2775,35 +2775,35 @@
               <a:buAutoNum type="arabicPeriod"/>
             </a:pPr>
             <a:r>
-              <a:rPr lang="en-US" sz="5400" spc="-5" dirty="0">
+              <a:rPr lang="en-US" sz="4800" spc="-5" dirty="0">
                 <a:latin typeface="Gill Sans"/>
                 <a:cs typeface="Gill Sans"/>
               </a:rPr>
               <a:t>N</a:t>
             </a:r>
             <a:r>
-              <a:rPr sz="5400" spc="-5" dirty="0">
+              <a:rPr sz="4800" spc="-5" dirty="0">
                 <a:latin typeface="Gill Sans"/>
                 <a:cs typeface="Gill Sans"/>
               </a:rPr>
               <a:t>aming</a:t>
             </a:r>
             <a:r>
-              <a:rPr sz="5400" spc="-65" dirty="0">
-                <a:latin typeface="Gill Sans"/>
-                <a:cs typeface="Gill Sans"/>
-              </a:rPr>
-              <a:t> </a:t>
-            </a:r>
-            <a:r>
-              <a:rPr sz="5400" spc="-5" dirty="0">
+              <a:rPr sz="4800" spc="-65" dirty="0">
+                <a:latin typeface="Gill Sans"/>
+                <a:cs typeface="Gill Sans"/>
+              </a:rPr>
+              <a:t> </a:t>
+            </a:r>
+            <a:r>
+              <a:rPr sz="4800" spc="-5" dirty="0">
                 <a:latin typeface="Gill Sans"/>
                 <a:cs typeface="Gill Sans"/>
               </a:rPr>
               <a:t>things</a:t>
             </a:r>
             <a:r>
-              <a:rPr lang="en-US" sz="5400" spc="-5" dirty="0">
+              <a:rPr lang="en-US" sz="4800" spc="-5" dirty="0">
                 <a:latin typeface="Gill Sans"/>
                 <a:cs typeface="Gill Sans"/>
               </a:rPr>
@@ -2822,7 +2822,7 @@
               <a:buAutoNum type="arabicPeriod"/>
             </a:pPr>
             <a:r>
-              <a:rPr lang="en-US" sz="5400" spc="-5" dirty="0">
+              <a:rPr lang="en-US" sz="4800" spc="-5" dirty="0">
                 <a:latin typeface="Gill Sans"/>
                 <a:cs typeface="Gill Sans"/>
               </a:rPr>
@@ -2841,13 +2841,13 @@
               <a:buAutoNum type="arabicPeriod"/>
             </a:pPr>
             <a:r>
-              <a:rPr lang="en-US" sz="5400" spc="-5" dirty="0">
+              <a:rPr lang="en-US" sz="4800" spc="-5" dirty="0">
                 <a:latin typeface="Gill Sans"/>
                 <a:cs typeface="Gill Sans"/>
               </a:rPr>
               <a:t>File organization: keeping it tidy</a:t>
             </a:r>
-            <a:endParaRPr sz="5400" dirty="0">
+            <a:endParaRPr sz="4800" dirty="0">
               <a:latin typeface="Gill Sans"/>
               <a:cs typeface="Gill Sans"/>
             </a:endParaRPr>
@@ -3257,7 +3257,7 @@
             </a:r>
             <a:r>
               <a:rPr sz="4200" dirty="0"/>
-              <a:t>“_”	and</a:t>
+              <a:t>“_”and</a:t>
             </a:r>
             <a:r>
               <a:rPr sz="4200" spc="-420" dirty="0"/>
@@ -3269,7 +3269,11 @@
             </a:r>
             <a:r>
               <a:rPr sz="4200" spc="-10" dirty="0"/>
-              <a:t>allows	</a:t>
+              <a:t>allows</a:t>
+            </a:r>
+            <a:r>
+              <a:rPr lang="en-US" sz="4200" spc="-10" dirty="0"/>
+              <a:t> </a:t>
             </a:r>
             <a:r>
               <a:rPr sz="4200" dirty="0"/>
@@ -3292,7 +3296,7 @@
               <a:t>recover</a:t>
             </a:r>
             <a:r>
-              <a:rPr sz="4200" spc="-20" dirty="0"/>
+              <a:rPr lang="en-US" sz="4200" spc="-20" dirty="0"/>
               <a:t> </a:t>
             </a:r>
             <a:r>
@@ -3309,7 +3313,11 @@
             </a:r>
             <a:r>
               <a:rPr sz="4200" spc="-30" dirty="0"/>
-              <a:t>from	</a:t>
+              <a:t>from</a:t>
+            </a:r>
+            <a:r>
+              <a:rPr lang="en-US" sz="4200" spc="-30" dirty="0"/>
+              <a:t> </a:t>
             </a:r>
             <a:r>
               <a:rPr sz="4200" spc="-5" dirty="0"/>
@@ -3319,7 +3327,7 @@
               <a:rPr sz="4200" spc="10" dirty="0"/>
               <a:t>filenames.</a:t>
             </a:r>
-            <a:endParaRPr sz="4200"/>
+            <a:endParaRPr sz="4200" dirty="0"/>
           </a:p>
         </p:txBody>
       </p:sp>
@@ -4809,7 +4817,7 @@
               </a:rPr>
               <a:t>well</a:t>
             </a:r>
-            <a:endParaRPr sz="3300">
+            <a:endParaRPr sz="3300" dirty="0">
               <a:latin typeface="Gill Sans"/>
               <a:cs typeface="Gill Sans"/>
             </a:endParaRPr>
@@ -4823,7 +4831,7 @@
                 <a:spcPts val="35"/>
               </a:spcBef>
             </a:pPr>
-            <a:endParaRPr sz="4050">
+            <a:endParaRPr sz="4050" dirty="0">
               <a:latin typeface="Gill Sans"/>
               <a:cs typeface="Gill Sans"/>
             </a:endParaRPr>
@@ -4946,7 +4954,7 @@
               </a:rPr>
               <a:t>etc.</a:t>
             </a:r>
-            <a:endParaRPr sz="3400">
+            <a:endParaRPr sz="3400" dirty="0">
               <a:latin typeface="Gill Sans"/>
               <a:cs typeface="Gill Sans"/>
             </a:endParaRPr>
@@ -6485,7 +6493,7 @@
         <p:spPr>
           <a:xfrm>
             <a:off x="698500" y="7073900"/>
-            <a:ext cx="10888345" cy="1534160"/>
+            <a:ext cx="13500100" cy="1551707"/>
           </a:xfrm>
           <a:prstGeom prst="rect">
             <a:avLst/>
@@ -6589,7 +6597,7 @@
                 <a:spcPts val="45"/>
               </a:spcBef>
             </a:pPr>
-            <a:endParaRPr sz="3200">
+            <a:endParaRPr sz="3200" dirty="0">
               <a:latin typeface="Gill Sans"/>
               <a:cs typeface="Gill Sans"/>
             </a:endParaRPr>
@@ -6719,10 +6727,6 @@
               </a:rPr>
               <a:t>bleed</a:t>
             </a:r>
-            <a:endParaRPr sz="3400">
-              <a:latin typeface="Gill Sans"/>
-              <a:cs typeface="Gill Sans"/>
-            </a:endParaRPr>
           </a:p>
         </p:txBody>
       </p:sp>
@@ -7604,7 +7608,7 @@
         <p:spPr>
           <a:xfrm>
             <a:off x="774700" y="228600"/>
-            <a:ext cx="6431915" cy="1000760"/>
+            <a:ext cx="11823700" cy="1000760"/>
           </a:xfrm>
           <a:prstGeom prst="rect">
             <a:avLst/>
@@ -7636,7 +7640,7 @@
               <a:rPr sz="6400" spc="-15" dirty="0"/>
               <a:t>readable”</a:t>
             </a:r>
-            <a:endParaRPr sz="6400"/>
+            <a:endParaRPr sz="6400" dirty="0"/>
           </a:p>
         </p:txBody>
       </p:sp>
@@ -7678,7 +7682,7 @@
         <p:spPr>
           <a:xfrm>
             <a:off x="774700" y="228600"/>
-            <a:ext cx="5915025" cy="1000760"/>
+            <a:ext cx="11976100" cy="1000760"/>
           </a:xfrm>
           <a:prstGeom prst="rect">
             <a:avLst/>
@@ -7710,7 +7714,7 @@
               <a:rPr sz="6400" spc="-15" dirty="0"/>
               <a:t>readable”</a:t>
             </a:r>
-            <a:endParaRPr sz="6400"/>
+            <a:endParaRPr sz="6400" dirty="0"/>
           </a:p>
         </p:txBody>
       </p:sp>
@@ -7723,7 +7727,7 @@
         <p:spPr>
           <a:xfrm>
             <a:off x="558800" y="1600200"/>
-            <a:ext cx="10665460" cy="4196020"/>
+            <a:ext cx="11506200" cy="4196020"/>
           </a:xfrm>
           <a:prstGeom prst="rect">
             <a:avLst/>
@@ -8032,8 +8036,8 @@
         </p:blipFill>
         <p:spPr bwMode="auto">
           <a:xfrm>
-            <a:off x="4064000" y="5562600"/>
-            <a:ext cx="7831328" cy="3581400"/>
+            <a:off x="3149600" y="6324600"/>
+            <a:ext cx="6722936" cy="3074513"/>
           </a:xfrm>
           <a:prstGeom prst="rect">
             <a:avLst/>
@@ -8088,7 +8092,7 @@
         <p:spPr>
           <a:xfrm>
             <a:off x="774700" y="88900"/>
-            <a:ext cx="5915025" cy="1000760"/>
+            <a:ext cx="12128500" cy="1000760"/>
           </a:xfrm>
           <a:prstGeom prst="rect">
             <a:avLst/>
@@ -8120,7 +8124,7 @@
               <a:rPr sz="6400" spc="-15" dirty="0"/>
               <a:t>readable”</a:t>
             </a:r>
-            <a:endParaRPr sz="6400"/>
+            <a:endParaRPr sz="6400" dirty="0"/>
           </a:p>
         </p:txBody>
       </p:sp>
@@ -8762,8 +8766,8 @@
         </p:nvSpPr>
         <p:spPr>
           <a:xfrm>
-            <a:off x="11353800" y="3302000"/>
-            <a:ext cx="1447800" cy="736600"/>
+            <a:off x="10909300" y="3302000"/>
+            <a:ext cx="1892300" cy="736600"/>
           </a:xfrm>
           <a:custGeom>
             <a:avLst/>
@@ -8819,7 +8823,7 @@
         <p:spPr>
           <a:xfrm>
             <a:off x="774700" y="228600"/>
-            <a:ext cx="5915025" cy="1000760"/>
+            <a:ext cx="11976735" cy="1000760"/>
           </a:xfrm>
           <a:prstGeom prst="rect">
             <a:avLst/>
@@ -8851,7 +8855,7 @@
               <a:rPr sz="6400" spc="-15" dirty="0"/>
               <a:t>readable”</a:t>
             </a:r>
-            <a:endParaRPr sz="6400"/>
+            <a:endParaRPr sz="6400" dirty="0"/>
           </a:p>
         </p:txBody>
       </p:sp>
@@ -8863,8 +8867,8 @@
         </p:nvSpPr>
         <p:spPr>
           <a:xfrm>
-            <a:off x="7874000" y="3136900"/>
-            <a:ext cx="4877435" cy="817880"/>
+            <a:off x="7493000" y="3136900"/>
+            <a:ext cx="5258435" cy="817880"/>
           </a:xfrm>
           <a:prstGeom prst="rect">
             <a:avLst/>
@@ -8908,7 +8912,7 @@
               </a:rPr>
               <a:t>slug</a:t>
             </a:r>
-            <a:endParaRPr sz="5200">
+            <a:endParaRPr sz="5200" dirty="0">
               <a:latin typeface="Gill Sans"/>
               <a:cs typeface="Gill Sans"/>
             </a:endParaRPr>
@@ -9640,7 +9644,7 @@
         <p:spPr>
           <a:xfrm>
             <a:off x="774700" y="228600"/>
-            <a:ext cx="5915025" cy="1000760"/>
+            <a:ext cx="10833100" cy="1000760"/>
           </a:xfrm>
           <a:prstGeom prst="rect">
             <a:avLst/>
@@ -9681,7 +9685,7 @@
               </a:rPr>
               <a:t>readable”</a:t>
             </a:r>
-            <a:endParaRPr sz="6400">
+            <a:endParaRPr sz="6400" dirty="0">
               <a:latin typeface="Gill Sans"/>
               <a:cs typeface="Gill Sans"/>
             </a:endParaRPr>
@@ -9697,7 +9701,7 @@
         <p:spPr>
           <a:xfrm>
             <a:off x="2095500" y="4070350"/>
-            <a:ext cx="8364855" cy="1524000"/>
+            <a:ext cx="8364855" cy="2282676"/>
           </a:xfrm>
           <a:prstGeom prst="rect">
             <a:avLst/>
@@ -9721,11 +9725,25 @@
               </a:tabLst>
             </a:pPr>
             <a:r>
+              <a:rPr lang="en-US" sz="5000" spc="-5" dirty="0">
+                <a:latin typeface="Gill Sans"/>
+                <a:cs typeface="Gill Sans"/>
+              </a:rPr>
+              <a:t>E</a:t>
+            </a:r>
+            <a:r>
               <a:rPr sz="5000" spc="-5" dirty="0">
                 <a:latin typeface="Gill Sans"/>
                 <a:cs typeface="Gill Sans"/>
               </a:rPr>
-              <a:t>easy	</a:t>
+              <a:t>asy</a:t>
+            </a:r>
+            <a:r>
+              <a:rPr lang="en-US" sz="5000" spc="-5" dirty="0">
+                <a:latin typeface="Gill Sans"/>
+                <a:cs typeface="Gill Sans"/>
+              </a:rPr>
+              <a:t> </a:t>
             </a:r>
             <a:r>
               <a:rPr sz="5000" dirty="0">
@@ -9916,10 +9934,6 @@
               </a:rPr>
               <a:t>me</a:t>
             </a:r>
-            <a:endParaRPr sz="5000">
-              <a:latin typeface="Gill Sans"/>
-              <a:cs typeface="Gill Sans"/>
-            </a:endParaRPr>
           </a:p>
         </p:txBody>
       </p:sp>
@@ -9960,8 +9974,8 @@
         </p:nvSpPr>
         <p:spPr>
           <a:xfrm>
-            <a:off x="774700" y="228600"/>
-            <a:ext cx="10968355" cy="1000760"/>
+            <a:off x="482600" y="1114000"/>
+            <a:ext cx="12433300" cy="1000760"/>
           </a:xfrm>
           <a:prstGeom prst="rect">
             <a:avLst/>
@@ -10013,7 +10027,7 @@
               <a:rPr sz="6400" spc="-15" dirty="0"/>
               <a:t>ordering”</a:t>
             </a:r>
-            <a:endParaRPr sz="6400"/>
+            <a:endParaRPr sz="6400" dirty="0"/>
           </a:p>
         </p:txBody>
       </p:sp>
@@ -10025,7 +10039,7 @@
         </p:nvSpPr>
         <p:spPr>
           <a:xfrm>
-            <a:off x="1320800" y="1600200"/>
+            <a:off x="1028700" y="2485600"/>
             <a:ext cx="10829290" cy="3839000"/>
           </a:xfrm>
           <a:prstGeom prst="rect">
@@ -10390,7 +10404,7 @@
         <p:spPr>
           <a:xfrm>
             <a:off x="774700" y="228600"/>
-            <a:ext cx="10968355" cy="1000760"/>
+            <a:ext cx="12052300" cy="1000760"/>
           </a:xfrm>
           <a:prstGeom prst="rect">
             <a:avLst/>
@@ -10442,7 +10456,7 @@
               <a:rPr sz="6400" spc="-15" dirty="0"/>
               <a:t>ordering”</a:t>
             </a:r>
-            <a:endParaRPr sz="6400"/>
+            <a:endParaRPr sz="6400" dirty="0"/>
           </a:p>
         </p:txBody>
       </p:sp>
@@ -10612,7 +10626,7 @@
         <p:spPr>
           <a:xfrm>
             <a:off x="571500" y="3028950"/>
-            <a:ext cx="2913380" cy="1287780"/>
+            <a:ext cx="3797300" cy="1287780"/>
           </a:xfrm>
           <a:prstGeom prst="rect">
             <a:avLst/>
@@ -10702,7 +10716,7 @@
               </a:rPr>
               <a:t>order</a:t>
             </a:r>
-            <a:endParaRPr sz="4200">
+            <a:endParaRPr sz="4200" dirty="0">
               <a:latin typeface="Gill Sans"/>
               <a:cs typeface="Gill Sans"/>
             </a:endParaRPr>
@@ -10718,7 +10732,7 @@
         <p:spPr>
           <a:xfrm>
             <a:off x="571500" y="6235700"/>
-            <a:ext cx="1359535" cy="1287780"/>
+            <a:ext cx="2882900" cy="1287780"/>
           </a:xfrm>
           <a:prstGeom prst="rect">
             <a:avLst/>
@@ -10787,7 +10801,7 @@
               </a:rPr>
               <a:t>order</a:t>
             </a:r>
-            <a:endParaRPr sz="4200">
+            <a:endParaRPr sz="4200" dirty="0">
               <a:latin typeface="Gill Sans"/>
               <a:cs typeface="Gill Sans"/>
             </a:endParaRPr>
@@ -10832,7 +10846,7 @@
         <p:spPr>
           <a:xfrm>
             <a:off x="774700" y="228600"/>
-            <a:ext cx="10968355" cy="1000760"/>
+            <a:ext cx="12661900" cy="1000760"/>
           </a:xfrm>
           <a:prstGeom prst="rect">
             <a:avLst/>
@@ -10884,7 +10898,7 @@
               <a:rPr sz="6400" spc="-15" dirty="0"/>
               <a:t>ordering”</a:t>
             </a:r>
-            <a:endParaRPr sz="6400"/>
+            <a:endParaRPr sz="6400" dirty="0"/>
           </a:p>
         </p:txBody>
       </p:sp>
@@ -11121,7 +11135,7 @@
         <p:spPr>
           <a:xfrm>
             <a:off x="1841500" y="8496300"/>
-            <a:ext cx="8304530" cy="909319"/>
+            <a:ext cx="11163300" cy="905376"/>
           </a:xfrm>
           <a:prstGeom prst="rect">
             <a:avLst/>
@@ -11184,7 +11198,14 @@
                 <a:latin typeface="Gill Sans"/>
                 <a:cs typeface="Gill Sans"/>
               </a:rPr>
-              <a:t>umeric	</a:t>
+              <a:t>umeric</a:t>
+            </a:r>
+            <a:r>
+              <a:rPr lang="en-US" sz="5800" dirty="0">
+                <a:latin typeface="Gill Sans"/>
+                <a:cs typeface="Gill Sans"/>
+              </a:rPr>
+              <a:t> </a:t>
             </a:r>
             <a:r>
               <a:rPr sz="5800" spc="40" dirty="0">
@@ -11207,10 +11228,6 @@
               </a:rPr>
               <a:t>t</a:t>
             </a:r>
-            <a:endParaRPr sz="5800">
-              <a:latin typeface="Gill Sans"/>
-              <a:cs typeface="Gill Sans"/>
-            </a:endParaRPr>
           </a:p>
         </p:txBody>
       </p:sp>
@@ -11335,7 +11352,7 @@
         <p:spPr>
           <a:xfrm>
             <a:off x="546100" y="152400"/>
-            <a:ext cx="5977890" cy="1244600"/>
+            <a:ext cx="10223500" cy="1244600"/>
           </a:xfrm>
           <a:prstGeom prst="rect">
             <a:avLst/>
@@ -11456,7 +11473,7 @@
         <p:spPr>
           <a:xfrm>
             <a:off x="774700" y="228600"/>
-            <a:ext cx="10968355" cy="1000760"/>
+            <a:ext cx="12230100" cy="1000760"/>
           </a:xfrm>
           <a:prstGeom prst="rect">
             <a:avLst/>
@@ -11508,7 +11525,7 @@
               <a:rPr sz="6400" spc="-15" dirty="0"/>
               <a:t>ordering”</a:t>
             </a:r>
-            <a:endParaRPr sz="6400"/>
+            <a:endParaRPr sz="6400" dirty="0"/>
           </a:p>
         </p:txBody>
       </p:sp>
@@ -11610,7 +11627,7 @@
         <p:spPr>
           <a:xfrm>
             <a:off x="762000" y="4960414"/>
-            <a:ext cx="10829290" cy="2879725"/>
+            <a:ext cx="10829290" cy="2741776"/>
           </a:xfrm>
           <a:prstGeom prst="rect">
             <a:avLst/>
@@ -11635,72 +11652,82 @@
               </a:tabLst>
             </a:pPr>
             <a:r>
-              <a:rPr sz="5800" spc="-5" dirty="0">
+              <a:rPr sz="4800" spc="-5" dirty="0">
                 <a:latin typeface="Gill Sans"/>
                 <a:cs typeface="Gill Sans"/>
               </a:rPr>
               <a:t>use</a:t>
             </a:r>
             <a:r>
-              <a:rPr sz="5800" dirty="0">
-                <a:latin typeface="Gill Sans"/>
-                <a:cs typeface="Gill Sans"/>
-              </a:rPr>
-              <a:t> </a:t>
-            </a:r>
-            <a:r>
-              <a:rPr sz="5800" spc="-5" dirty="0">
+              <a:rPr sz="4800" dirty="0">
+                <a:latin typeface="Gill Sans"/>
+                <a:cs typeface="Gill Sans"/>
+              </a:rPr>
+              <a:t> </a:t>
+            </a:r>
+            <a:r>
+              <a:rPr sz="4800" spc="-5" dirty="0">
                 <a:latin typeface="Gill Sans"/>
                 <a:cs typeface="Gill Sans"/>
               </a:rPr>
               <a:t>the</a:t>
             </a:r>
             <a:r>
-              <a:rPr sz="5800" dirty="0">
+              <a:rPr sz="4800" dirty="0">
                 <a:latin typeface="Gill Sans"/>
                 <a:cs typeface="Gill Sans"/>
               </a:rPr>
               <a:t> ISO</a:t>
             </a:r>
             <a:r>
-              <a:rPr sz="5800" spc="10" dirty="0">
-                <a:latin typeface="Gill Sans"/>
-                <a:cs typeface="Gill Sans"/>
-              </a:rPr>
-              <a:t> </a:t>
-            </a:r>
-            <a:r>
-              <a:rPr sz="5800" dirty="0">
+              <a:rPr sz="4800" spc="10" dirty="0">
+                <a:latin typeface="Gill Sans"/>
+                <a:cs typeface="Gill Sans"/>
+              </a:rPr>
+              <a:t> </a:t>
+            </a:r>
+            <a:r>
+              <a:rPr sz="4800" dirty="0">
                 <a:latin typeface="Gill Sans"/>
                 <a:cs typeface="Gill Sans"/>
               </a:rPr>
               <a:t>8601 </a:t>
             </a:r>
             <a:r>
-              <a:rPr sz="5800" spc="-15" dirty="0">
-                <a:latin typeface="Gill Sans"/>
-                <a:cs typeface="Gill Sans"/>
-              </a:rPr>
-              <a:t>standard	</a:t>
-            </a:r>
-            <a:r>
-              <a:rPr sz="5800" spc="-20" dirty="0">
-                <a:latin typeface="Gill Sans"/>
-                <a:cs typeface="Gill Sans"/>
-              </a:rPr>
-              <a:t>for	</a:t>
-            </a:r>
-            <a:r>
-              <a:rPr sz="5800" dirty="0">
+              <a:rPr sz="4800" spc="-15" dirty="0">
+                <a:latin typeface="Gill Sans"/>
+                <a:cs typeface="Gill Sans"/>
+              </a:rPr>
+              <a:t>standard</a:t>
+            </a:r>
+            <a:r>
+              <a:rPr lang="en-US" sz="4800" spc="-15" dirty="0">
+                <a:latin typeface="Gill Sans"/>
+                <a:cs typeface="Gill Sans"/>
+              </a:rPr>
+              <a:t> </a:t>
+            </a:r>
+            <a:r>
+              <a:rPr sz="4800" spc="-20" dirty="0">
+                <a:latin typeface="Gill Sans"/>
+                <a:cs typeface="Gill Sans"/>
+              </a:rPr>
+              <a:t>for</a:t>
+            </a:r>
+            <a:r>
+              <a:rPr lang="en-US" sz="4800" spc="-20" dirty="0">
+                <a:latin typeface="Gill Sans"/>
+                <a:cs typeface="Gill Sans"/>
+              </a:rPr>
+              <a:t> </a:t>
+            </a:r>
+            <a:r>
+              <a:rPr sz="4800" dirty="0">
                 <a:latin typeface="Gill Sans"/>
                 <a:cs typeface="Gill Sans"/>
               </a:rPr>
               <a:t>dates</a:t>
             </a:r>
-            <a:endParaRPr sz="5800">
-              <a:latin typeface="Gill Sans"/>
-              <a:cs typeface="Gill Sans"/>
-            </a:endParaRPr>
           </a:p>
           <a:p>
             <a:pPr marL="9525" algn="ctr">
@@ -11718,7 +11745,7 @@
               </a:rPr>
               <a:t>YYYY-MM-DD</a:t>
             </a:r>
-            <a:endParaRPr sz="9900">
+            <a:endParaRPr sz="9900" dirty="0">
               <a:latin typeface="Gill Sans"/>
               <a:cs typeface="Gill Sans"/>
             </a:endParaRPr>
@@ -12195,7 +12222,7 @@
         <p:spPr>
           <a:xfrm>
             <a:off x="774700" y="228600"/>
-            <a:ext cx="10236835" cy="909319"/>
+            <a:ext cx="12661900" cy="909319"/>
           </a:xfrm>
           <a:prstGeom prst="rect">
             <a:avLst/>
@@ -12250,7 +12277,7 @@
               <a:rPr sz="5800" spc="-30" dirty="0"/>
               <a:t> zeros</a:t>
             </a:r>
-            <a:endParaRPr sz="5800"/>
+            <a:endParaRPr sz="5800" dirty="0"/>
           </a:p>
         </p:txBody>
       </p:sp>
@@ -12733,7 +12760,7 @@
         <p:spPr>
           <a:xfrm>
             <a:off x="787400" y="1320550"/>
-            <a:ext cx="11653520" cy="5766450"/>
+            <a:ext cx="11653520" cy="8274060"/>
           </a:xfrm>
           <a:prstGeom prst="rect">
             <a:avLst/>
@@ -12814,6 +12841,23 @@
               </a:rPr>
               <a:t>NOW</a:t>
             </a:r>
+            <a:endParaRPr lang="en-US" sz="4800" spc="-80" dirty="0">
+              <a:latin typeface="Gill Sans"/>
+              <a:cs typeface="Gill Sans"/>
+            </a:endParaRPr>
+          </a:p>
+          <a:p>
+            <a:pPr marL="12700">
+              <a:lnSpc>
+                <a:spcPct val="100000"/>
+              </a:lnSpc>
+              <a:spcBef>
+                <a:spcPts val="100"/>
+              </a:spcBef>
+              <a:tabLst>
+                <a:tab pos="1490345" algn="l"/>
+              </a:tabLst>
+            </a:pPr>
             <a:endParaRPr sz="4800" dirty="0">
               <a:latin typeface="Gill Sans"/>
               <a:cs typeface="Gill Sans"/>
@@ -13092,6 +13136,24 @@
             </a:endParaRPr>
           </a:p>
           <a:p>
+            <a:pPr marL="12700" marR="5080">
+              <a:lnSpc>
+                <a:spcPts val="6600"/>
+              </a:lnSpc>
+              <a:spcBef>
+                <a:spcPts val="5"/>
+              </a:spcBef>
+              <a:tabLst>
+                <a:tab pos="6574155" algn="l"/>
+                <a:tab pos="9761855" algn="l"/>
+              </a:tabLst>
+            </a:pPr>
+            <a:endParaRPr lang="en-US" sz="4800" spc="-5" dirty="0">
+              <a:latin typeface="Gill Sans"/>
+              <a:cs typeface="Gill Sans"/>
+            </a:endParaRPr>
+          </a:p>
+          <a:p>
             <a:pPr marL="869950" marR="5080" indent="-857250">
               <a:lnSpc>
                 <a:spcPts val="6600"/>
@@ -13113,6 +13175,24 @@
               </a:rPr>
               <a:t>Much easier to get help from others and more experienced coders</a:t>
             </a:r>
+          </a:p>
+          <a:p>
+            <a:pPr marL="12700" marR="5080">
+              <a:lnSpc>
+                <a:spcPts val="6600"/>
+              </a:lnSpc>
+              <a:spcBef>
+                <a:spcPts val="5"/>
+              </a:spcBef>
+              <a:tabLst>
+                <a:tab pos="6574155" algn="l"/>
+                <a:tab pos="9761855" algn="l"/>
+              </a:tabLst>
+            </a:pPr>
+            <a:endParaRPr lang="en-US" sz="4800" spc="-5" dirty="0">
+              <a:latin typeface="Gill Sans"/>
+              <a:cs typeface="Gill Sans"/>
+            </a:endParaRPr>
           </a:p>
           <a:p>
             <a:pPr marL="869950" marR="5080" indent="-857250">
@@ -13216,8 +13296,8 @@
         </p:blipFill>
         <p:spPr bwMode="auto">
           <a:xfrm>
-            <a:off x="7523431" y="6248400"/>
-            <a:ext cx="4917489" cy="3276600"/>
+            <a:off x="8837295" y="152400"/>
+            <a:ext cx="4033520" cy="2687598"/>
           </a:xfrm>
           <a:prstGeom prst="rect">
             <a:avLst/>
@@ -13293,8 +13373,8 @@
         </p:nvSpPr>
         <p:spPr>
           <a:xfrm>
-            <a:off x="711200" y="336550"/>
-            <a:ext cx="11271250" cy="878840"/>
+            <a:off x="482600" y="336550"/>
+            <a:ext cx="12522200" cy="751488"/>
           </a:xfrm>
           <a:prstGeom prst="rect">
             <a:avLst/>
@@ -13319,54 +13399,58 @@
               </a:tabLst>
             </a:pPr>
             <a:r>
-              <a:rPr sz="5600" spc="-30" dirty="0"/>
+              <a:rPr sz="4800" spc="-30" dirty="0"/>
               <a:t>go	</a:t>
             </a:r>
             <a:r>
-              <a:rPr sz="5600" spc="10" dirty="0"/>
+              <a:rPr sz="4800" spc="10" dirty="0"/>
               <a:t>forth</a:t>
             </a:r>
             <a:r>
-              <a:rPr sz="5600" spc="5" dirty="0"/>
-              <a:t> </a:t>
-            </a:r>
-            <a:r>
-              <a:rPr sz="5600" dirty="0"/>
+              <a:rPr sz="4800" spc="5" dirty="0"/>
+              <a:t> </a:t>
+            </a:r>
+            <a:r>
+              <a:rPr sz="4800" dirty="0"/>
               <a:t>and </a:t>
             </a:r>
             <a:r>
-              <a:rPr sz="5600" spc="-5" dirty="0"/>
+              <a:rPr sz="4800" spc="-5" dirty="0"/>
               <a:t>use</a:t>
             </a:r>
             <a:r>
-              <a:rPr sz="5600" spc="5" dirty="0"/>
-              <a:t> </a:t>
-            </a:r>
-            <a:r>
-              <a:rPr sz="5600" spc="-50" dirty="0"/>
-              <a:t>awesome	</a:t>
-            </a:r>
-            <a:r>
-              <a:rPr sz="5600" spc="40" dirty="0"/>
+              <a:rPr sz="4800" spc="5" dirty="0"/>
+              <a:t> </a:t>
+            </a:r>
+            <a:r>
+              <a:rPr sz="4800" spc="-50" dirty="0"/>
+              <a:t>awesome</a:t>
+            </a:r>
+            <a:r>
+              <a:rPr lang="en-US" sz="4800" spc="-50" dirty="0"/>
+              <a:t> </a:t>
+            </a:r>
+            <a:r>
+              <a:rPr sz="4800" spc="40" dirty="0"/>
               <a:t>file</a:t>
             </a:r>
             <a:r>
-              <a:rPr sz="5600" spc="-35" dirty="0"/>
-              <a:t> </a:t>
-            </a:r>
-            <a:r>
-              <a:rPr sz="5600" spc="-5" dirty="0"/>
+              <a:rPr sz="4800" spc="-35" dirty="0"/>
+              <a:t> </a:t>
+            </a:r>
+            <a:r>
+              <a:rPr sz="4800" spc="-5" dirty="0"/>
               <a:t>names</a:t>
             </a:r>
             <a:r>
-              <a:rPr sz="5600" spc="-35" dirty="0"/>
-              <a:t> </a:t>
-            </a:r>
-            <a:r>
-              <a:rPr sz="5600" spc="-5" dirty="0"/>
+              <a:rPr sz="4800" spc="-35" dirty="0"/>
+              <a:t> </a:t>
+            </a:r>
+            <a:r>
+              <a:rPr sz="4800" spc="-5" dirty="0"/>
               <a:t>:)</a:t>
             </a:r>
-            <a:endParaRPr sz="5600"/>
+            <a:endParaRPr sz="4800" dirty="0"/>
           </a:p>
         </p:txBody>
       </p:sp>
@@ -13709,7 +13793,7 @@
         <p:spPr>
           <a:xfrm>
             <a:off x="558800" y="533400"/>
-            <a:ext cx="11239500" cy="738664"/>
+            <a:ext cx="12446000" cy="738664"/>
           </a:xfrm>
         </p:spPr>
         <p:txBody>
@@ -13717,7 +13801,7 @@
           <a:lstStyle/>
           <a:p>
             <a:r>
-              <a:rPr lang="en-US" sz="4800" dirty="0"/>
+              <a:rPr lang="en-US" sz="4800" u="sng" dirty="0"/>
               <a:t>Naming convention for objects </a:t>
             </a:r>
             <a:r>
@@ -13750,7 +13834,7 @@
         <p:spPr>
           <a:xfrm>
             <a:off x="1013460" y="1447800"/>
-            <a:ext cx="11356340" cy="8032968"/>
+            <a:ext cx="11356340" cy="7571303"/>
           </a:xfrm>
         </p:spPr>
         <p:txBody>
@@ -13758,7 +13842,7 @@
           <a:lstStyle/>
           <a:p>
             <a:r>
-              <a:rPr lang="en-US" dirty="0"/>
+              <a:rPr lang="en-US" sz="4800" dirty="0"/>
               <a:t>Rather than having objects in R environment start with a number, I start them with object type:</a:t>
             </a:r>
           </a:p>
@@ -13916,7 +14000,7 @@
         <p:spPr>
           <a:xfrm>
             <a:off x="570344" y="1981200"/>
-            <a:ext cx="6922655" cy="8925520"/>
+            <a:ext cx="6922655" cy="8002191"/>
           </a:xfrm>
         </p:spPr>
         <p:txBody>
@@ -13924,24 +14008,24 @@
           <a:lstStyle/>
           <a:p>
             <a:r>
-              <a:rPr lang="en-US" sz="4400" dirty="0"/>
+              <a:rPr lang="en-US" sz="4000" dirty="0"/>
               <a:t>I tend to prefer hierarchical naming with meaningful differences highlighted as suffixes.</a:t>
             </a:r>
           </a:p>
           <a:p>
-            <a:endParaRPr lang="en-US" sz="4400" dirty="0"/>
-          </a:p>
-          <a:p>
-            <a:r>
-              <a:rPr lang="en-US" sz="4400" dirty="0"/>
+            <a:endParaRPr lang="en-US" sz="4000" dirty="0"/>
+          </a:p>
+          <a:p>
+            <a:r>
+              <a:rPr lang="en-US" sz="4000" dirty="0"/>
               <a:t>For ‘final’ publication-quality figures and tables, OK to output them with numerical order as that is how they are presented in manuscript. (e.g. Figure 1, Figure 2, etc.) </a:t>
             </a:r>
           </a:p>
           <a:p>
-            <a:endParaRPr lang="en-US" sz="4800" dirty="0"/>
-          </a:p>
-          <a:p>
-            <a:endParaRPr lang="en-US" sz="4800" dirty="0"/>
+            <a:endParaRPr lang="en-US" sz="4000" dirty="0"/>
+          </a:p>
+          <a:p>
+            <a:endParaRPr lang="en-US" sz="4000" dirty="0"/>
           </a:p>
         </p:txBody>
       </p:sp>
@@ -14140,8 +14224,8 @@
         </p:nvSpPr>
         <p:spPr>
           <a:xfrm>
-            <a:off x="787400" y="109240"/>
-            <a:ext cx="10820400" cy="8925520"/>
+            <a:off x="787400" y="385762"/>
+            <a:ext cx="10820400" cy="7386638"/>
           </a:xfrm>
         </p:spPr>
         <p:txBody>
@@ -14149,66 +14233,66 @@
           <a:lstStyle/>
           <a:p>
             <a:r>
-              <a:rPr lang="en-US" u="sng" dirty="0"/>
+              <a:rPr lang="en-US" sz="4800" u="sng" dirty="0"/>
               <a:t>For next time</a:t>
             </a:r>
             <a:r>
-              <a:rPr lang="en-US" dirty="0"/>
+              <a:rPr lang="en-US" sz="4800" dirty="0"/>
               <a:t>:</a:t>
             </a:r>
           </a:p>
           <a:p>
             <a:r>
-              <a:rPr lang="en-US" dirty="0"/>
+              <a:rPr lang="en-US" sz="4800" dirty="0"/>
               <a:t>Make sure you have made a </a:t>
             </a:r>
             <a:r>
-              <a:rPr lang="en-US" dirty="0" err="1"/>
+              <a:rPr lang="en-US" sz="4800" dirty="0" err="1"/>
               <a:t>Github</a:t>
             </a:r>
             <a:r>
-              <a:rPr lang="en-US" dirty="0"/>
+              <a:rPr lang="en-US" sz="4800" dirty="0"/>
               <a:t> account. Probably want to use your </a:t>
             </a:r>
             <a:r>
-              <a:rPr lang="en-US" dirty="0" err="1"/>
+              <a:rPr lang="en-US" sz="4800" dirty="0" err="1"/>
               <a:t>gmail</a:t>
             </a:r>
             <a:r>
-              <a:rPr lang="en-US" dirty="0"/>
+              <a:rPr lang="en-US" sz="4800" dirty="0"/>
               <a:t>, yahoo, etc. address rather than APSU (long-term stability).</a:t>
             </a:r>
           </a:p>
           <a:p>
-            <a:endParaRPr lang="en-US" dirty="0"/>
-          </a:p>
-          <a:p>
-            <a:r>
-              <a:rPr lang="en-US" dirty="0"/>
+            <a:endParaRPr lang="en-US" sz="4800" dirty="0"/>
+          </a:p>
+          <a:p>
+            <a:r>
+              <a:rPr lang="en-US" sz="4800" dirty="0"/>
               <a:t>We will use </a:t>
             </a:r>
             <a:r>
-              <a:rPr lang="en-US" dirty="0" err="1"/>
+              <a:rPr lang="en-US" sz="4800" dirty="0" err="1"/>
               <a:t>Github</a:t>
             </a:r>
             <a:r>
-              <a:rPr lang="en-US" dirty="0"/>
+              <a:rPr lang="en-US" sz="4800" dirty="0"/>
               <a:t> for a majority of the semester.</a:t>
             </a:r>
           </a:p>
           <a:p>
-            <a:endParaRPr lang="en-US" dirty="0"/>
-          </a:p>
-          <a:p>
-            <a:r>
-              <a:rPr lang="en-US" dirty="0" err="1">
+            <a:endParaRPr lang="en-US" sz="4800" dirty="0"/>
+          </a:p>
+          <a:p>
+            <a:r>
+              <a:rPr lang="en-US" sz="4800" dirty="0" err="1">
                 <a:solidFill>
                   <a:srgbClr val="7030A0"/>
                 </a:solidFill>
               </a:rPr>
               <a:t>github.com</a:t>
             </a:r>
-            <a:endParaRPr lang="en-US" dirty="0">
+            <a:endParaRPr lang="en-US" sz="4800" dirty="0">
               <a:solidFill>
                 <a:srgbClr val="7030A0"/>
               </a:solidFill>
@@ -14321,7 +14405,7 @@
         <p:spPr>
           <a:xfrm>
             <a:off x="355600" y="1511300"/>
-            <a:ext cx="11983720" cy="7561580"/>
+            <a:ext cx="13004800" cy="6369308"/>
           </a:xfrm>
           <a:prstGeom prst="rect">
             <a:avLst/>
@@ -14342,13 +14426,13 @@
               </a:spcBef>
             </a:pPr>
             <a:r>
-              <a:rPr sz="4200" spc="-15" dirty="0">
+              <a:rPr sz="3600" spc="-15" dirty="0">
                 <a:latin typeface="Gill Sans"/>
                 <a:cs typeface="Gill Sans"/>
               </a:rPr>
               <a:t>myabstract.docx</a:t>
             </a:r>
-            <a:endParaRPr sz="4200" dirty="0">
+            <a:endParaRPr sz="3600" dirty="0">
               <a:latin typeface="Gill Sans"/>
               <a:cs typeface="Gill Sans"/>
             </a:endParaRPr>
@@ -14366,91 +14450,112 @@
               </a:tabLst>
             </a:pPr>
             <a:r>
-              <a:rPr sz="4200" spc="-85" dirty="0">
-                <a:latin typeface="Gill Sans"/>
-                <a:cs typeface="Gill Sans"/>
-              </a:rPr>
-              <a:t>Joe’s	</a:t>
-            </a:r>
-            <a:r>
-              <a:rPr sz="4200" spc="-5" dirty="0">
+              <a:rPr sz="3600" spc="-85" dirty="0">
+                <a:latin typeface="Gill Sans"/>
+                <a:cs typeface="Gill Sans"/>
+              </a:rPr>
+              <a:t>Joe’s</a:t>
+            </a:r>
+            <a:r>
+              <a:rPr lang="en-US" sz="3600" spc="-85" dirty="0">
+                <a:latin typeface="Gill Sans"/>
+                <a:cs typeface="Gill Sans"/>
+              </a:rPr>
+              <a:t> </a:t>
+            </a:r>
+            <a:r>
+              <a:rPr sz="3600" spc="-5" dirty="0">
                 <a:latin typeface="Gill Sans"/>
                 <a:cs typeface="Gill Sans"/>
               </a:rPr>
               <a:t>Filenames</a:t>
             </a:r>
             <a:r>
-              <a:rPr sz="4200" dirty="0">
-                <a:latin typeface="Gill Sans"/>
-                <a:cs typeface="Gill Sans"/>
-              </a:rPr>
-              <a:t> </a:t>
-            </a:r>
-            <a:r>
-              <a:rPr sz="4200" spc="-5" dirty="0">
+              <a:rPr lang="en-US" sz="3600" spc="-5" dirty="0">
+                <a:latin typeface="Gill Sans"/>
+                <a:cs typeface="Gill Sans"/>
+              </a:rPr>
+              <a:t> </a:t>
+            </a:r>
+            <a:r>
+              <a:rPr sz="3600" spc="-5" dirty="0">
                 <a:latin typeface="Gill Sans"/>
                 <a:cs typeface="Gill Sans"/>
               </a:rPr>
               <a:t>Use</a:t>
             </a:r>
             <a:r>
-              <a:rPr sz="4200" spc="5" dirty="0">
-                <a:latin typeface="Gill Sans"/>
-                <a:cs typeface="Gill Sans"/>
-              </a:rPr>
-              <a:t> </a:t>
-            </a:r>
-            <a:r>
-              <a:rPr sz="4200" spc="-5" dirty="0">
+              <a:rPr lang="en-US" sz="3600" spc="5" dirty="0">
+                <a:latin typeface="Gill Sans"/>
+                <a:cs typeface="Gill Sans"/>
+              </a:rPr>
+              <a:t> </a:t>
+            </a:r>
+            <a:r>
+              <a:rPr sz="3600" spc="-5" dirty="0">
                 <a:latin typeface="Gill Sans"/>
                 <a:cs typeface="Gill Sans"/>
               </a:rPr>
               <a:t>Spaces</a:t>
             </a:r>
             <a:r>
-              <a:rPr sz="4200" spc="5" dirty="0">
-                <a:latin typeface="Gill Sans"/>
-                <a:cs typeface="Gill Sans"/>
-              </a:rPr>
-              <a:t> </a:t>
-            </a:r>
-            <a:r>
-              <a:rPr sz="4200" dirty="0">
-                <a:latin typeface="Gill Sans"/>
-                <a:cs typeface="Gill Sans"/>
-              </a:rPr>
-              <a:t>and </a:t>
-            </a:r>
-            <a:r>
-              <a:rPr sz="4200" spc="-5" dirty="0">
-                <a:latin typeface="Gill Sans"/>
-                <a:cs typeface="Gill Sans"/>
-              </a:rPr>
-              <a:t>Punctuation.xlsx </a:t>
-            </a:r>
-            <a:r>
-              <a:rPr sz="4200" spc="-1150" dirty="0">
-                <a:latin typeface="Gill Sans"/>
-                <a:cs typeface="Gill Sans"/>
-              </a:rPr>
-              <a:t> </a:t>
-            </a:r>
-            <a:r>
-              <a:rPr sz="4200" spc="5" dirty="0">
+              <a:rPr lang="en-US" sz="3600" spc="5" dirty="0">
+                <a:latin typeface="Gill Sans"/>
+                <a:cs typeface="Gill Sans"/>
+              </a:rPr>
+              <a:t> </a:t>
+            </a:r>
+            <a:r>
+              <a:rPr sz="3600" dirty="0">
+                <a:latin typeface="Gill Sans"/>
+                <a:cs typeface="Gill Sans"/>
+              </a:rPr>
+              <a:t>and</a:t>
+            </a:r>
+            <a:r>
+              <a:rPr lang="en-US" sz="3600" dirty="0">
+                <a:latin typeface="Gill Sans"/>
+                <a:cs typeface="Gill Sans"/>
+              </a:rPr>
+              <a:t> </a:t>
+            </a:r>
+            <a:r>
+              <a:rPr sz="3600" spc="-5" dirty="0" err="1">
+                <a:latin typeface="Gill Sans"/>
+                <a:cs typeface="Gill Sans"/>
+              </a:rPr>
+              <a:t>Punctuation.xlsx</a:t>
+            </a:r>
+            <a:r>
+              <a:rPr sz="3600" spc="-5" dirty="0">
+                <a:latin typeface="Gill Sans"/>
+                <a:cs typeface="Gill Sans"/>
+              </a:rPr>
+              <a:t> </a:t>
+            </a:r>
+            <a:r>
+              <a:rPr sz="3600" spc="-1150" dirty="0">
+                <a:latin typeface="Gill Sans"/>
+                <a:cs typeface="Gill Sans"/>
+              </a:rPr>
+              <a:t> </a:t>
+            </a:r>
+            <a:r>
+              <a:rPr sz="3600" spc="5" dirty="0">
                 <a:latin typeface="Gill Sans"/>
                 <a:cs typeface="Gill Sans"/>
               </a:rPr>
               <a:t>figure</a:t>
             </a:r>
             <a:r>
-              <a:rPr sz="4200" spc="-10" dirty="0">
-                <a:latin typeface="Gill Sans"/>
-                <a:cs typeface="Gill Sans"/>
-              </a:rPr>
-              <a:t> </a:t>
-            </a:r>
-            <a:r>
-              <a:rPr sz="4200" dirty="0">
+              <a:rPr sz="3600" spc="-10" dirty="0">
+                <a:latin typeface="Gill Sans"/>
+                <a:cs typeface="Gill Sans"/>
+              </a:rPr>
+              <a:t> </a:t>
+            </a:r>
+            <a:r>
+              <a:rPr sz="3600" dirty="0">
                 <a:latin typeface="Gill Sans"/>
                 <a:cs typeface="Gill Sans"/>
               </a:rPr>
@@ -14464,133 +14569,133 @@
               </a:lnSpc>
             </a:pPr>
             <a:r>
-              <a:rPr sz="4200" spc="40" dirty="0">
+              <a:rPr sz="3600" spc="40" dirty="0">
                 <a:latin typeface="Gill Sans"/>
                 <a:cs typeface="Gill Sans"/>
               </a:rPr>
               <a:t>fig </a:t>
             </a:r>
             <a:r>
-              <a:rPr sz="4200" dirty="0">
+              <a:rPr sz="3600" dirty="0">
                 <a:latin typeface="Gill Sans"/>
                 <a:cs typeface="Gill Sans"/>
               </a:rPr>
               <a:t>2.png </a:t>
             </a:r>
             <a:r>
-              <a:rPr sz="4200" spc="5" dirty="0">
-                <a:latin typeface="Gill Sans"/>
-                <a:cs typeface="Gill Sans"/>
-              </a:rPr>
-              <a:t> </a:t>
-            </a:r>
-            <a:r>
-              <a:rPr sz="4200" dirty="0">
+              <a:rPr sz="3600" spc="5" dirty="0">
+                <a:latin typeface="Gill Sans"/>
+                <a:cs typeface="Gill Sans"/>
+              </a:rPr>
+              <a:t> </a:t>
+            </a:r>
+            <a:r>
+              <a:rPr sz="3600" dirty="0">
                 <a:latin typeface="Gill Sans"/>
                 <a:cs typeface="Gill Sans"/>
               </a:rPr>
               <a:t>JW7</a:t>
             </a:r>
             <a:r>
-              <a:rPr sz="4200" spc="-5" dirty="0">
+              <a:rPr sz="3600" spc="-5" dirty="0">
                 <a:latin typeface="Gill Sans"/>
                 <a:cs typeface="Gill Sans"/>
               </a:rPr>
               <a:t>d^(</a:t>
             </a:r>
             <a:r>
-              <a:rPr sz="4200" dirty="0">
+              <a:rPr sz="3600" dirty="0">
                 <a:latin typeface="Gill Sans"/>
                 <a:cs typeface="Gill Sans"/>
               </a:rPr>
               <a:t>2</a:t>
             </a:r>
             <a:r>
-              <a:rPr sz="4200" spc="-5" dirty="0">
+              <a:rPr sz="3600" spc="-5" dirty="0">
                 <a:latin typeface="Gill Sans"/>
                 <a:cs typeface="Gill Sans"/>
               </a:rPr>
               <a:t>sl</a:t>
             </a:r>
             <a:r>
-              <a:rPr sz="4200" dirty="0">
+              <a:rPr sz="3600" dirty="0">
                 <a:latin typeface="Gill Sans"/>
                 <a:cs typeface="Gill Sans"/>
               </a:rPr>
               <a:t>@deletethisan</a:t>
             </a:r>
             <a:r>
-              <a:rPr sz="4200" spc="-5" dirty="0">
+              <a:rPr sz="3600" spc="-5" dirty="0">
                 <a:latin typeface="Gill Sans"/>
                 <a:cs typeface="Gill Sans"/>
               </a:rPr>
               <a:t>d</a:t>
             </a:r>
             <a:r>
-              <a:rPr sz="4200" spc="-85" dirty="0">
+              <a:rPr sz="3600" spc="-85" dirty="0">
                 <a:latin typeface="Gill Sans"/>
                 <a:cs typeface="Gill Sans"/>
               </a:rPr>
               <a:t>y</a:t>
             </a:r>
             <a:r>
-              <a:rPr sz="4200" dirty="0">
+              <a:rPr sz="3600" dirty="0">
                 <a:latin typeface="Gill Sans"/>
                 <a:cs typeface="Gill Sans"/>
               </a:rPr>
               <a:t>ou</a:t>
             </a:r>
             <a:r>
-              <a:rPr sz="4200" spc="-105" dirty="0">
+              <a:rPr sz="3600" spc="-105" dirty="0">
                 <a:latin typeface="Gill Sans"/>
                 <a:cs typeface="Gill Sans"/>
               </a:rPr>
               <a:t>r</a:t>
             </a:r>
             <a:r>
-              <a:rPr sz="4200" dirty="0">
+              <a:rPr sz="3600" dirty="0">
                 <a:latin typeface="Gill Sans"/>
                 <a:cs typeface="Gill Sans"/>
               </a:rPr>
               <a:t>c</a:t>
             </a:r>
             <a:r>
-              <a:rPr sz="4200" spc="-5" dirty="0">
+              <a:rPr sz="3600" spc="-5" dirty="0">
                 <a:latin typeface="Gill Sans"/>
                 <a:cs typeface="Gill Sans"/>
               </a:rPr>
               <a:t>a</a:t>
             </a:r>
             <a:r>
-              <a:rPr sz="4200" spc="-85" dirty="0">
+              <a:rPr sz="3600" spc="-85" dirty="0">
                 <a:latin typeface="Gill Sans"/>
                 <a:cs typeface="Gill Sans"/>
               </a:rPr>
               <a:t>r</a:t>
             </a:r>
             <a:r>
-              <a:rPr sz="4200" dirty="0">
+              <a:rPr sz="3600" dirty="0">
                 <a:latin typeface="Gill Sans"/>
                 <a:cs typeface="Gill Sans"/>
               </a:rPr>
               <a:t>eeris</a:t>
             </a:r>
             <a:r>
-              <a:rPr sz="4200" spc="-45" dirty="0">
+              <a:rPr sz="3600" spc="-45" dirty="0">
                 <a:latin typeface="Gill Sans"/>
                 <a:cs typeface="Gill Sans"/>
               </a:rPr>
               <a:t>o</a:t>
             </a:r>
             <a:r>
-              <a:rPr sz="4200" spc="-85" dirty="0">
+              <a:rPr sz="3600" spc="-85" dirty="0">
                 <a:latin typeface="Gill Sans"/>
                 <a:cs typeface="Gill Sans"/>
               </a:rPr>
               <a:t>v</a:t>
             </a:r>
             <a:r>
-              <a:rPr sz="4200" dirty="0">
+              <a:rPr sz="3600" dirty="0">
                 <a:latin typeface="Gill Sans"/>
                 <a:cs typeface="Gill Sans"/>
               </a:rPr>
@@ -14624,27 +14729,41 @@
               </a:spcBef>
             </a:pPr>
             <a:r>
-              <a:rPr sz="4200" spc="-15" dirty="0">
+              <a:rPr sz="3600" spc="-15" dirty="0">
                 <a:latin typeface="Gill Sans"/>
                 <a:cs typeface="Gill Sans"/>
               </a:rPr>
               <a:t>2014-06-08_abstract-for-sla.docx </a:t>
             </a:r>
             <a:r>
-              <a:rPr sz="4200" spc="-10" dirty="0">
-                <a:latin typeface="Gill Sans"/>
-                <a:cs typeface="Gill Sans"/>
-              </a:rPr>
-              <a:t> </a:t>
-            </a:r>
-            <a:r>
-              <a:rPr sz="4200" spc="-15" dirty="0">
+              <a:rPr sz="3600" spc="-10" dirty="0">
+                <a:latin typeface="Gill Sans"/>
+                <a:cs typeface="Gill Sans"/>
+              </a:rPr>
+              <a:t> </a:t>
+            </a:r>
+            <a:endParaRPr lang="en-US" sz="3600" spc="-10" dirty="0">
+              <a:latin typeface="Gill Sans"/>
+              <a:cs typeface="Gill Sans"/>
+            </a:endParaRPr>
+          </a:p>
+          <a:p>
+            <a:pPr marL="673100" marR="3338829">
+              <a:lnSpc>
+                <a:spcPts val="4900"/>
+              </a:lnSpc>
+              <a:spcBef>
+                <a:spcPts val="259"/>
+              </a:spcBef>
+            </a:pPr>
+            <a:r>
+              <a:rPr sz="3600" spc="-15" dirty="0">
                 <a:latin typeface="Gill Sans"/>
                 <a:cs typeface="Gill Sans"/>
               </a:rPr>
               <a:t>joes-filenames-are-getting-better.xlsx</a:t>
             </a:r>
-            <a:endParaRPr sz="4200" dirty="0">
+            <a:endParaRPr sz="3600" dirty="0">
               <a:latin typeface="Gill Sans"/>
               <a:cs typeface="Gill Sans"/>
             </a:endParaRPr>
@@ -14656,21 +14775,21 @@
               </a:lnSpc>
             </a:pPr>
             <a:r>
-              <a:rPr sz="4200" spc="-5" dirty="0">
+              <a:rPr sz="3600" spc="-5" dirty="0">
                 <a:latin typeface="Gill Sans"/>
                 <a:cs typeface="Gill Sans"/>
               </a:rPr>
               <a:t>fig01_scatterplot-talk-length-vs-interest.png </a:t>
             </a:r>
             <a:r>
-              <a:rPr sz="4200" spc="-1155" dirty="0">
-                <a:latin typeface="Gill Sans"/>
-                <a:cs typeface="Gill Sans"/>
-              </a:rPr>
-              <a:t> </a:t>
-            </a:r>
-            <a:r>
-              <a:rPr sz="4200" dirty="0">
+              <a:rPr sz="3600" spc="-1155" dirty="0">
+                <a:latin typeface="Gill Sans"/>
+                <a:cs typeface="Gill Sans"/>
+              </a:rPr>
+              <a:t> </a:t>
+            </a:r>
+            <a:r>
+              <a:rPr sz="3600" dirty="0">
                 <a:latin typeface="Gill Sans"/>
                 <a:cs typeface="Gill Sans"/>
               </a:rPr>
@@ -14684,13 +14803,13 @@
               </a:lnSpc>
             </a:pPr>
             <a:r>
-              <a:rPr sz="4200" spc="-15" dirty="0">
+              <a:rPr sz="3600" spc="-15" dirty="0">
                 <a:latin typeface="Gill Sans"/>
                 <a:cs typeface="Gill Sans"/>
               </a:rPr>
               <a:t>1986-01-28_raw-data-from-challenger-o-rings.txt</a:t>
             </a:r>
-            <a:endParaRPr sz="4200" dirty="0">
+            <a:endParaRPr sz="3600" dirty="0">
               <a:latin typeface="Gill Sans"/>
               <a:cs typeface="Gill Sans"/>
             </a:endParaRPr>
@@ -14812,8 +14931,8 @@
         </p:nvSpPr>
         <p:spPr>
           <a:xfrm>
-            <a:off x="292100" y="1157883"/>
-            <a:ext cx="12217400" cy="7201972"/>
+            <a:off x="673100" y="1143000"/>
+            <a:ext cx="11849100" cy="8371523"/>
           </a:xfrm>
         </p:spPr>
         <p:txBody>
@@ -14821,11 +14940,11 @@
           <a:lstStyle/>
           <a:p>
             <a:r>
-              <a:rPr lang="en-US" sz="3600" u="sng" dirty="0"/>
+              <a:rPr lang="en-US" sz="3200" u="sng" dirty="0"/>
               <a:t>Tips: the </a:t>
             </a:r>
             <a:r>
-              <a:rPr lang="en-US" sz="3600" u="sng" dirty="0" err="1">
+              <a:rPr lang="en-US" sz="3200" u="sng" dirty="0" err="1">
                 <a:solidFill>
                   <a:srgbClr val="0432FF"/>
                 </a:solidFill>
@@ -14833,7 +14952,7 @@
               <a:t>from_joe</a:t>
             </a:r>
             <a:r>
-              <a:rPr lang="en-US" sz="3600" u="sng" dirty="0"/>
+              <a:rPr lang="en-US" sz="3200" u="sng" dirty="0"/>
               <a:t> directory</a:t>
             </a:r>
           </a:p>
@@ -14843,9 +14962,12 @@
               <a:buChar char="•"/>
             </a:pPr>
             <a:r>
-              <a:rPr lang="en-US" sz="3600" dirty="0"/>
+              <a:rPr lang="en-US" sz="3200" dirty="0"/>
               <a:t>Let’s say my collaborator and data producer is Joe.</a:t>
             </a:r>
+          </a:p>
+          <a:p>
+            <a:endParaRPr lang="en-US" sz="3200" dirty="0"/>
           </a:p>
           <a:p>
             <a:pPr marL="571500" indent="-571500">
@@ -14853,9 +14975,12 @@
               <a:buChar char="•"/>
             </a:pPr>
             <a:r>
-              <a:rPr lang="en-US" sz="3600" dirty="0"/>
+              <a:rPr lang="en-US" sz="3200" dirty="0"/>
               <a:t>He will send me data with weird space-containing file names, data in Microsoft Excel workbooks, etc.</a:t>
             </a:r>
+          </a:p>
+          <a:p>
+            <a:endParaRPr lang="en-US" sz="3200" dirty="0"/>
           </a:p>
           <a:p>
             <a:pPr marL="571500" indent="-571500">
@@ -14863,9 +14988,12 @@
               <a:buChar char="•"/>
             </a:pPr>
             <a:r>
-              <a:rPr lang="en-US" sz="3600" dirty="0"/>
+              <a:rPr lang="en-US" sz="3200" dirty="0"/>
               <a:t>It is futile to fight this, just quarantine all the crazy here. I rename things and/or export to plain text and put those files in my data directory.</a:t>
             </a:r>
+          </a:p>
+          <a:p>
+            <a:endParaRPr lang="en-US" sz="3200" dirty="0"/>
           </a:p>
           <a:p>
             <a:pPr marL="571500" indent="-571500">
@@ -14873,9 +15001,12 @@
               <a:buChar char="•"/>
             </a:pPr>
             <a:r>
-              <a:rPr lang="en-US" sz="3600" dirty="0"/>
+              <a:rPr lang="en-US" sz="3200" dirty="0"/>
               <a:t>Whether I move, copy, or link to file depends on the situation.</a:t>
             </a:r>
+          </a:p>
+          <a:p>
+            <a:endParaRPr lang="en-US" sz="3200" dirty="0"/>
           </a:p>
           <a:p>
             <a:pPr marL="571500" indent="-571500">
@@ -14883,12 +15014,12 @@
               <a:buChar char="•"/>
             </a:pPr>
             <a:r>
-              <a:rPr lang="en-US" sz="3600" dirty="0"/>
+              <a:rPr lang="en-US" sz="3200" dirty="0"/>
               <a:t>Whatever I did gets recorded in a README or in comments in my R code – whatever makes it easiest for me to remind myself of a file’s provenance, if it came from the outside world in a state that was not ready for programmatic analysis.</a:t>
             </a:r>
           </a:p>
           <a:p>
-            <a:endParaRPr lang="en-US" sz="3600" dirty="0"/>
+            <a:endParaRPr lang="en-US" sz="3200" dirty="0"/>
           </a:p>
         </p:txBody>
       </p:sp>
@@ -14935,7 +15066,7 @@
         <p:spPr>
           <a:xfrm>
             <a:off x="939800" y="2895600"/>
-            <a:ext cx="10596880" cy="4352474"/>
+            <a:ext cx="10596880" cy="4167808"/>
           </a:xfrm>
           <a:prstGeom prst="rect">
             <a:avLst/>
@@ -14958,15 +15089,15 @@
               <a:buChar char="•"/>
             </a:pPr>
             <a:r>
-              <a:rPr spc="-5" dirty="0"/>
+              <a:rPr sz="5400" spc="-5" dirty="0"/>
               <a:t>machine</a:t>
             </a:r>
             <a:r>
-              <a:rPr spc="-25" dirty="0"/>
-              <a:t> </a:t>
-            </a:r>
-            <a:r>
-              <a:rPr spc="-20" dirty="0"/>
+              <a:rPr sz="5400" spc="-25" dirty="0"/>
+              <a:t> </a:t>
+            </a:r>
+            <a:r>
+              <a:rPr sz="5400" spc="-20" dirty="0"/>
               <a:t>readable</a:t>
             </a:r>
           </a:p>
@@ -14992,15 +15123,15 @@
               <a:buChar char="•"/>
             </a:pPr>
             <a:r>
-              <a:rPr spc="-5" dirty="0"/>
+              <a:rPr sz="5400" spc="-5" dirty="0"/>
               <a:t>human</a:t>
             </a:r>
             <a:r>
-              <a:rPr spc="-30" dirty="0"/>
-              <a:t> </a:t>
-            </a:r>
-            <a:r>
-              <a:rPr spc="-20" dirty="0"/>
+              <a:rPr sz="5400" spc="-30" dirty="0"/>
+              <a:t> </a:t>
+            </a:r>
+            <a:r>
+              <a:rPr sz="5400" spc="-20" dirty="0"/>
               <a:t>readable</a:t>
             </a:r>
           </a:p>
@@ -15026,39 +15157,39 @@
               <a:buChar char="•"/>
             </a:pPr>
             <a:r>
-              <a:rPr spc="-50" dirty="0"/>
+              <a:rPr sz="5400" spc="-50" dirty="0"/>
               <a:t>plays</a:t>
             </a:r>
             <a:r>
-              <a:rPr spc="-10" dirty="0"/>
-              <a:t> </a:t>
-            </a:r>
-            <a:r>
-              <a:rPr spc="-30" dirty="0"/>
+              <a:rPr sz="5400" spc="-10" dirty="0"/>
+              <a:t> </a:t>
+            </a:r>
+            <a:r>
+              <a:rPr sz="5400" spc="-30" dirty="0"/>
               <a:t>well</a:t>
             </a:r>
             <a:r>
-              <a:rPr spc="-10" dirty="0"/>
-              <a:t> </a:t>
-            </a:r>
-            <a:r>
-              <a:rPr spc="-5" dirty="0"/>
+              <a:rPr sz="5400" spc="-10" dirty="0"/>
+              <a:t> </a:t>
+            </a:r>
+            <a:r>
+              <a:rPr sz="5400" spc="-5" dirty="0"/>
               <a:t>with</a:t>
             </a:r>
             <a:r>
-              <a:rPr spc="-10" dirty="0"/>
-              <a:t> </a:t>
-            </a:r>
-            <a:r>
-              <a:rPr spc="-5" dirty="0"/>
+              <a:rPr sz="5400" spc="-10" dirty="0"/>
+              <a:t> </a:t>
+            </a:r>
+            <a:r>
+              <a:rPr sz="5400" spc="-5" dirty="0"/>
               <a:t>default</a:t>
             </a:r>
             <a:r>
-              <a:rPr spc="-10" dirty="0"/>
-              <a:t> </a:t>
-            </a:r>
-            <a:r>
-              <a:rPr spc="-15" dirty="0"/>
+              <a:rPr sz="5400" spc="-10" dirty="0"/>
+              <a:t> </a:t>
+            </a:r>
+            <a:r>
+              <a:rPr sz="5400" spc="-15" dirty="0"/>
               <a:t>ordering</a:t>
             </a:r>
           </a:p>
@@ -15077,7 +15208,7 @@
         <p:spPr>
           <a:xfrm>
             <a:off x="647700" y="825500"/>
-            <a:ext cx="10371455" cy="997709"/>
+            <a:ext cx="10371455" cy="843821"/>
           </a:xfrm>
           <a:prstGeom prst="rect">
             <a:avLst/>
@@ -15101,42 +15232,42 @@
               </a:tabLst>
             </a:pPr>
             <a:r>
-              <a:rPr lang="en-US" sz="6400" spc="-30" dirty="0"/>
+              <a:rPr lang="en-US" sz="5400" spc="-30" dirty="0"/>
               <a:t>T</a:t>
             </a:r>
             <a:r>
-              <a:rPr sz="6400" spc="-30" dirty="0"/>
+              <a:rPr sz="5400" spc="-30" dirty="0"/>
               <a:t>hree</a:t>
             </a:r>
             <a:r>
-              <a:rPr sz="6400" dirty="0"/>
+              <a:rPr sz="5400" dirty="0"/>
               <a:t> principles </a:t>
             </a:r>
             <a:r>
-              <a:rPr sz="6400" spc="-25" dirty="0"/>
+              <a:rPr sz="5400" spc="-25" dirty="0"/>
               <a:t>for</a:t>
             </a:r>
             <a:r>
-              <a:rPr lang="en-US" sz="6400" spc="-25" dirty="0"/>
-              <a:t> </a:t>
-            </a:r>
-            <a:r>
-              <a:rPr sz="6400" spc="30" dirty="0"/>
+              <a:rPr lang="en-US" sz="5400" spc="-25" dirty="0"/>
+              <a:t> </a:t>
+            </a:r>
+            <a:r>
+              <a:rPr sz="5400" spc="30" dirty="0"/>
               <a:t>file</a:t>
             </a:r>
             <a:r>
-              <a:rPr lang="en-US" sz="6400" spc="30" dirty="0"/>
-              <a:t> </a:t>
-            </a:r>
-            <a:r>
-              <a:rPr sz="6400" spc="-5" dirty="0"/>
+              <a:rPr lang="en-US" sz="5400" spc="30" dirty="0"/>
+              <a:t> </a:t>
+            </a:r>
+            <a:r>
+              <a:rPr sz="5400" spc="-5" dirty="0"/>
               <a:t>names</a:t>
             </a:r>
             <a:r>
-              <a:rPr lang="en-US" sz="6400" spc="-5" dirty="0"/>
+              <a:rPr lang="en-US" sz="5400" spc="-5" dirty="0"/>
               <a:t>:</a:t>
             </a:r>
-            <a:endParaRPr sz="6400" dirty="0"/>
+            <a:endParaRPr sz="5400" dirty="0"/>
           </a:p>
         </p:txBody>
       </p:sp>
@@ -15199,8 +15330,8 @@
         </p:nvSpPr>
         <p:spPr>
           <a:xfrm>
-            <a:off x="3416300" y="1758950"/>
-            <a:ext cx="7124700" cy="874598"/>
+            <a:off x="2254250" y="1535201"/>
+            <a:ext cx="8496300" cy="874598"/>
           </a:xfrm>
           <a:prstGeom prst="rect">
             <a:avLst/>
@@ -15353,7 +15484,7 @@
         <p:spPr>
           <a:xfrm>
             <a:off x="774700" y="228600"/>
-            <a:ext cx="6431915" cy="1000760"/>
+            <a:ext cx="11442700" cy="1000760"/>
           </a:xfrm>
           <a:prstGeom prst="rect">
             <a:avLst/>
@@ -15385,7 +15516,7 @@
               <a:rPr sz="6400" spc="-15" dirty="0"/>
               <a:t>readable”</a:t>
             </a:r>
-            <a:endParaRPr sz="6400"/>
+            <a:endParaRPr sz="6400" dirty="0"/>
           </a:p>
         </p:txBody>
       </p:sp>
@@ -15398,7 +15529,7 @@
         <p:spPr>
           <a:xfrm>
             <a:off x="1320800" y="1828800"/>
-            <a:ext cx="10652125" cy="6510180"/>
+            <a:ext cx="10652125" cy="7281481"/>
           </a:xfrm>
           <a:prstGeom prst="rect">
             <a:avLst/>
@@ -15422,11 +15553,25 @@
               </a:tabLst>
             </a:pPr>
             <a:r>
+              <a:rPr lang="en-US" sz="5200" spc="-20" dirty="0">
+                <a:latin typeface="Gill Sans"/>
+                <a:cs typeface="Gill Sans"/>
+              </a:rPr>
+              <a:t>R</a:t>
+            </a:r>
+            <a:r>
               <a:rPr sz="5200" spc="-20" dirty="0">
                 <a:latin typeface="Gill Sans"/>
                 <a:cs typeface="Gill Sans"/>
               </a:rPr>
-              <a:t>regular	</a:t>
+              <a:t>egular</a:t>
+            </a:r>
+            <a:r>
+              <a:rPr lang="en-US" sz="5200" spc="-20" dirty="0">
+                <a:latin typeface="Gill Sans"/>
+                <a:cs typeface="Gill Sans"/>
+              </a:rPr>
+              <a:t> </a:t>
             </a:r>
             <a:r>
               <a:rPr sz="5200" spc="-15" dirty="0">
@@ -15542,7 +15687,21 @@
                 <a:latin typeface="Gill Sans"/>
                 <a:cs typeface="Gill Sans"/>
               </a:rPr>
-              <a:t>d	sp</a:t>
+              <a:t>d	</a:t>
+            </a:r>
+            <a:r>
+              <a:rPr lang="en-US" sz="4300" dirty="0">
+                <a:latin typeface="Gill Sans"/>
+                <a:cs typeface="Gill Sans"/>
+              </a:rPr>
+              <a:t> </a:t>
+            </a:r>
+            <a:r>
+              <a:rPr sz="4300" dirty="0">
+                <a:latin typeface="Gill Sans"/>
+                <a:cs typeface="Gill Sans"/>
+              </a:rPr>
+              <a:t>sp</a:t>
             </a:r>
             <a:r>
               <a:rPr sz="4300" spc="-5" dirty="0">
@@ -15752,11 +15911,25 @@
               </a:tabLst>
             </a:pPr>
             <a:r>
+              <a:rPr lang="en-US" sz="5800" spc="-5" dirty="0">
+                <a:latin typeface="Gill Sans"/>
+                <a:cs typeface="Gill Sans"/>
+              </a:rPr>
+              <a:t>E</a:t>
+            </a:r>
+            <a:r>
               <a:rPr sz="5800" spc="-5" dirty="0">
                 <a:latin typeface="Gill Sans"/>
                 <a:cs typeface="Gill Sans"/>
               </a:rPr>
-              <a:t>easy	</a:t>
+              <a:t>asy</a:t>
+            </a:r>
+            <a:r>
+              <a:rPr lang="en-US" sz="5800" spc="-5" dirty="0">
+                <a:latin typeface="Gill Sans"/>
+                <a:cs typeface="Gill Sans"/>
+              </a:rPr>
+              <a:t> </a:t>
             </a:r>
             <a:r>
               <a:rPr sz="5800" dirty="0">
@@ -15777,7 +15950,14 @@
                 <a:latin typeface="Gill Sans"/>
                 <a:cs typeface="Gill Sans"/>
               </a:rPr>
-              <a:t>compute	</a:t>
+              <a:t>compute</a:t>
+            </a:r>
+            <a:r>
+              <a:rPr lang="en-US" sz="5800" spc="-5" dirty="0">
+                <a:latin typeface="Gill Sans"/>
+                <a:cs typeface="Gill Sans"/>
+              </a:rPr>
+              <a:t> </a:t>
             </a:r>
             <a:r>
               <a:rPr sz="5800" dirty="0">
@@ -16191,7 +16371,7 @@
         <p:spPr>
           <a:xfrm>
             <a:off x="393700" y="1003300"/>
-            <a:ext cx="6719570" cy="665480"/>
+            <a:ext cx="11518900" cy="665480"/>
           </a:xfrm>
           <a:prstGeom prst="rect">
             <a:avLst/>
@@ -16260,7 +16440,7 @@
         <p:spPr>
           <a:xfrm>
             <a:off x="393700" y="5556250"/>
-            <a:ext cx="9468485" cy="665480"/>
+            <a:ext cx="12280900" cy="665480"/>
           </a:xfrm>
           <a:prstGeom prst="rect">
             <a:avLst/>
@@ -16367,7 +16547,7 @@
               </a:rPr>
               <a:t>listing:</a:t>
             </a:r>
-            <a:endParaRPr sz="4200">
+            <a:endParaRPr sz="4200" dirty="0">
               <a:latin typeface="Gill Sans"/>
               <a:cs typeface="Gill Sans"/>
             </a:endParaRPr>
@@ -16519,7 +16699,7 @@
         <p:spPr>
           <a:xfrm>
             <a:off x="533400" y="1092200"/>
-            <a:ext cx="9274175" cy="665480"/>
+            <a:ext cx="12598400" cy="659155"/>
           </a:xfrm>
           <a:prstGeom prst="rect">
             <a:avLst/>
@@ -16546,11 +16726,23 @@
             </a:pPr>
             <a:r>
               <a:rPr sz="4200" spc="-5" dirty="0"/>
-              <a:t>Same	using</a:t>
+              <a:t>Same</a:t>
+            </a:r>
+            <a:r>
+              <a:rPr lang="en-US" sz="4200" spc="-5" dirty="0"/>
+              <a:t> </a:t>
+            </a:r>
+            <a:r>
+              <a:rPr sz="4200" spc="-5" dirty="0"/>
+              <a:t>using</a:t>
             </a:r>
             <a:r>
               <a:rPr sz="4200" dirty="0"/>
-              <a:t> Mac	</a:t>
+              <a:t> Mac</a:t>
+            </a:r>
+            <a:r>
+              <a:rPr lang="en-US" sz="4200" dirty="0"/>
+              <a:t> </a:t>
             </a:r>
             <a:r>
               <a:rPr sz="4200" spc="-5" dirty="0"/>
@@ -16570,13 +16762,17 @@
             </a:r>
             <a:r>
               <a:rPr sz="4200" spc="-20" dirty="0"/>
-              <a:t>search	</a:t>
+              <a:t>search</a:t>
+            </a:r>
+            <a:r>
+              <a:rPr lang="en-US" sz="4200" spc="-20" dirty="0"/>
+              <a:t> </a:t>
             </a:r>
             <a:r>
               <a:rPr sz="4200" spc="-5" dirty="0"/>
               <a:t>facilities:</a:t>
             </a:r>
-            <a:endParaRPr sz="4200"/>
+            <a:endParaRPr sz="4200" dirty="0"/>
           </a:p>
         </p:txBody>
       </p:sp>
@@ -16618,7 +16814,7 @@
         <p:spPr>
           <a:xfrm>
             <a:off x="546100" y="2552700"/>
-            <a:ext cx="10555605" cy="665480"/>
+            <a:ext cx="12458700" cy="659155"/>
           </a:xfrm>
           <a:prstGeom prst="rect">
             <a:avLst/>
@@ -16653,7 +16849,15 @@
             </a:r>
             <a:r>
               <a:rPr sz="4200" dirty="0"/>
-              <a:t>me	u</a:t>
+              <a:t>me</a:t>
+            </a:r>
+            <a:r>
+              <a:rPr lang="en-US" sz="4200" dirty="0"/>
+              <a:t> </a:t>
+            </a:r>
+            <a:r>
+              <a:rPr sz="4200" dirty="0"/>
+              <a:t>u</a:t>
             </a:r>
             <a:r>
               <a:rPr sz="4200" spc="-5" dirty="0"/>
@@ -16677,7 +16881,15 @@
             </a:r>
             <a:r>
               <a:rPr sz="4200" dirty="0"/>
-              <a:t>s	abi</a:t>
+              <a:t>s</a:t>
+            </a:r>
+            <a:r>
+              <a:rPr lang="en-US" sz="4200" dirty="0"/>
+              <a:t> </a:t>
+            </a:r>
+            <a:r>
+              <a:rPr sz="4200" dirty="0"/>
+              <a:t>abi</a:t>
             </a:r>
             <a:r>
               <a:rPr sz="4200" spc="-5" dirty="0"/>
@@ -16753,7 +16965,11 @@
             </a:r>
             <a:r>
               <a:rPr sz="4200" dirty="0"/>
-              <a:t>y	</a:t>
+              <a:t>y</a:t>
+            </a:r>
+            <a:r>
+              <a:rPr lang="en-US" sz="4200" dirty="0"/>
+              <a:t> </a:t>
             </a:r>
             <a:r>
               <a:rPr sz="4200" spc="-85" dirty="0"/>
